--- a/Cylon.js - The IoT Framework.pptx
+++ b/Cylon.js - The IoT Framework.pptx
@@ -5,7 +5,7 @@
     <p:sldMasterId id="2147483648" r:id="rId4"/>
   </p:sldMasterIdLst>
   <p:notesMasterIdLst>
-    <p:notesMasterId r:id="rId24"/>
+    <p:notesMasterId r:id="rId25"/>
   </p:notesMasterIdLst>
   <p:sldIdLst>
     <p:sldId id="256" r:id="rId5"/>
@@ -27,6 +27,7 @@
     <p:sldId id="286" r:id="rId21"/>
     <p:sldId id="287" r:id="rId22"/>
     <p:sldId id="277" r:id="rId23"/>
+    <p:sldId id="297" r:id="rId24"/>
   </p:sldIdLst>
   <p:sldSz cx="12192000" cy="6858000"/>
   <p:notesSz cx="6858000" cy="9144000"/>
@@ -7170,6 +7171,273 @@
     <p:extLst>
       <p:ext uri="{BB962C8B-B14F-4D97-AF65-F5344CB8AC3E}">
         <p14:creationId xmlns:p14="http://schemas.microsoft.com/office/powerpoint/2010/main" val="3878562396"/>
+      </p:ext>
+    </p:extLst>
+  </p:cSld>
+  <p:clrMapOvr>
+    <a:masterClrMapping/>
+  </p:clrMapOvr>
+</p:sld>
+</file>
+
+<file path=ppt/slides/slide20.xml><?xml version="1.0" encoding="utf-8"?>
+<p:sld xmlns:a="http://schemas.openxmlformats.org/drawingml/2006/main" xmlns:r="http://schemas.openxmlformats.org/officeDocument/2006/relationships" xmlns:p="http://schemas.openxmlformats.org/presentationml/2006/main" show="0">
+  <p:cSld>
+    <p:spTree>
+      <p:nvGrpSpPr>
+        <p:cNvPr id="1" name=""/>
+        <p:cNvGrpSpPr/>
+        <p:nvPr/>
+      </p:nvGrpSpPr>
+      <p:grpSpPr>
+        <a:xfrm>
+          <a:off x="0" y="0"/>
+          <a:ext cx="0" cy="0"/>
+          <a:chOff x="0" y="0"/>
+          <a:chExt cx="0" cy="0"/>
+        </a:xfrm>
+      </p:grpSpPr>
+      <p:sp>
+        <p:nvSpPr>
+          <p:cNvPr id="29" name="TextBox 28"/>
+          <p:cNvSpPr txBox="1"/>
+          <p:nvPr/>
+        </p:nvSpPr>
+        <p:spPr>
+          <a:xfrm>
+            <a:off x="-248515" y="2525389"/>
+            <a:ext cx="12190270" cy="1281775"/>
+          </a:xfrm>
+          <a:prstGeom prst="rect">
+            <a:avLst/>
+          </a:prstGeom>
+          <a:noFill/>
+        </p:spPr>
+        <p:txBody>
+          <a:bodyPr wrap="square" lIns="365708" rtlCol="0" anchor="ctr">
+            <a:noAutofit/>
+          </a:bodyPr>
+          <a:lstStyle/>
+          <a:p>
+            <a:pPr marL="0" marR="0" lvl="0" indent="0" algn="ctr" defTabSz="914225" rtl="0" eaLnBrk="1" fontAlgn="auto" latinLnBrk="0" hangingPunct="1">
+              <a:lnSpc>
+                <a:spcPct val="100000"/>
+              </a:lnSpc>
+              <a:spcBef>
+                <a:spcPts val="0"/>
+              </a:spcBef>
+              <a:spcAft>
+                <a:spcPts val="0"/>
+              </a:spcAft>
+              <a:buClrTx/>
+              <a:buSzTx/>
+              <a:buFontTx/>
+              <a:buNone/>
+              <a:tabLst/>
+              <a:defRPr/>
+            </a:pPr>
+            <a:endParaRPr kumimoji="0" lang="fr-FR" sz="4000" b="0" i="0" u="none" strike="noStrike" kern="0" cap="none" spc="0" normalizeH="0" baseline="0" noProof="0" dirty="0">
+              <a:ln>
+                <a:noFill/>
+              </a:ln>
+              <a:solidFill>
+                <a:prstClr val="white"/>
+              </a:solidFill>
+              <a:effectLst/>
+              <a:uLnTx/>
+              <a:uFillTx/>
+              <a:latin typeface="Segoe UI Light" panose="020B0502040204020203" pitchFamily="34" charset="0"/>
+              <a:ea typeface="+mn-ea"/>
+              <a:cs typeface="Segoe UI Light" panose="020B0502040204020203" pitchFamily="34" charset="0"/>
+            </a:endParaRPr>
+          </a:p>
+        </p:txBody>
+      </p:sp>
+      <p:graphicFrame>
+        <p:nvGraphicFramePr>
+          <p:cNvPr id="2" name="Table 1"/>
+          <p:cNvGraphicFramePr>
+            <a:graphicFrameLocks noGrp="1"/>
+          </p:cNvGraphicFramePr>
+          <p:nvPr>
+            <p:extLst/>
+          </p:nvPr>
+        </p:nvGraphicFramePr>
+        <p:xfrm>
+          <a:off x="2032000" y="719666"/>
+          <a:ext cx="8121650" cy="4167760"/>
+        </p:xfrm>
+        <a:graphic>
+          <a:graphicData uri="http://schemas.openxmlformats.org/drawingml/2006/table">
+            <a:tbl>
+              <a:tblPr firstRow="1" bandRow="1">
+                <a:tableStyleId>{5C22544A-7EE6-4342-B048-85BDC9FD1C3A}</a:tableStyleId>
+              </a:tblPr>
+              <a:tblGrid>
+                <a:gridCol w="4060825">
+                  <a:extLst>
+                    <a:ext uri="{9D8B030D-6E8A-4147-A177-3AD203B41FA5}">
+                      <a16:colId xmlns:a16="http://schemas.microsoft.com/office/drawing/2014/main" val="178973026"/>
+                    </a:ext>
+                  </a:extLst>
+                </a:gridCol>
+                <a:gridCol w="4060825">
+                  <a:extLst>
+                    <a:ext uri="{9D8B030D-6E8A-4147-A177-3AD203B41FA5}">
+                      <a16:colId xmlns:a16="http://schemas.microsoft.com/office/drawing/2014/main" val="181736492"/>
+                    </a:ext>
+                  </a:extLst>
+                </a:gridCol>
+              </a:tblGrid>
+              <a:tr h="1008613">
+                <a:tc>
+                  <a:txBody>
+                    <a:bodyPr/>
+                    <a:lstStyle/>
+                    <a:p>
+                      <a:r>
+                        <a:rPr lang="en-US" dirty="0" err="1"/>
+                        <a:t>Cylon</a:t>
+                      </a:r>
+                      <a:endParaRPr lang="en-US" dirty="0"/>
+                    </a:p>
+                  </a:txBody>
+                  <a:tcPr/>
+                </a:tc>
+                <a:tc>
+                  <a:txBody>
+                    <a:bodyPr/>
+                    <a:lstStyle/>
+                    <a:p>
+                      <a:r>
+                        <a:rPr lang="en-US" dirty="0"/>
+                        <a:t>Johnny5</a:t>
+                      </a:r>
+                    </a:p>
+                  </a:txBody>
+                  <a:tcPr/>
+                </a:tc>
+                <a:extLst>
+                  <a:ext uri="{0D108BD9-81ED-4DB2-BD59-A6C34878D82A}">
+                    <a16:rowId xmlns:a16="http://schemas.microsoft.com/office/drawing/2014/main" val="496494334"/>
+                  </a:ext>
+                </a:extLst>
+              </a:tr>
+              <a:tr h="1141921">
+                <a:tc>
+                  <a:txBody>
+                    <a:bodyPr/>
+                    <a:lstStyle/>
+                    <a:p>
+                      <a:r>
+                        <a:rPr lang="en-US" dirty="0"/>
+                        <a:t>Also supports devices like drones/HMI in addition to low level board interfaces</a:t>
+                      </a:r>
+                    </a:p>
+                  </a:txBody>
+                  <a:tcPr/>
+                </a:tc>
+                <a:tc>
+                  <a:txBody>
+                    <a:bodyPr/>
+                    <a:lstStyle/>
+                    <a:p>
+                      <a:r>
+                        <a:rPr lang="en-US" dirty="0"/>
+                        <a:t>Board interfaces support</a:t>
+                      </a:r>
+                    </a:p>
+                  </a:txBody>
+                  <a:tcPr/>
+                </a:tc>
+                <a:extLst>
+                  <a:ext uri="{0D108BD9-81ED-4DB2-BD59-A6C34878D82A}">
+                    <a16:rowId xmlns:a16="http://schemas.microsoft.com/office/drawing/2014/main" val="2251680405"/>
+                  </a:ext>
+                </a:extLst>
+              </a:tr>
+              <a:tr h="1008613">
+                <a:tc>
+                  <a:txBody>
+                    <a:bodyPr/>
+                    <a:lstStyle/>
+                    <a:p>
+                      <a:r>
+                        <a:rPr lang="en-US" dirty="0"/>
+                        <a:t>Full framework with design patterns</a:t>
+                      </a:r>
+                    </a:p>
+                  </a:txBody>
+                  <a:tcPr/>
+                </a:tc>
+                <a:tc>
+                  <a:txBody>
+                    <a:bodyPr/>
+                    <a:lstStyle/>
+                    <a:p>
+                      <a:r>
+                        <a:rPr lang="en-US" dirty="0"/>
+                        <a:t>Set of libraries for </a:t>
+                      </a:r>
+                      <a:r>
+                        <a:rPr lang="en-US" dirty="0" err="1"/>
+                        <a:t>gpio</a:t>
+                      </a:r>
+                      <a:r>
+                        <a:rPr lang="en-US" dirty="0"/>
+                        <a:t>/i2c/SPI interfaces</a:t>
+                      </a:r>
+                    </a:p>
+                  </a:txBody>
+                  <a:tcPr/>
+                </a:tc>
+                <a:extLst>
+                  <a:ext uri="{0D108BD9-81ED-4DB2-BD59-A6C34878D82A}">
+                    <a16:rowId xmlns:a16="http://schemas.microsoft.com/office/drawing/2014/main" val="1654493511"/>
+                  </a:ext>
+                </a:extLst>
+              </a:tr>
+              <a:tr h="1008613">
+                <a:tc>
+                  <a:txBody>
+                    <a:bodyPr/>
+                    <a:lstStyle/>
+                    <a:p>
+                      <a:r>
+                        <a:rPr lang="en-US" dirty="0"/>
+                        <a:t>Declarative syntax</a:t>
+                      </a:r>
+                    </a:p>
+                  </a:txBody>
+                  <a:tcPr/>
+                </a:tc>
+                <a:tc>
+                  <a:txBody>
+                    <a:bodyPr/>
+                    <a:lstStyle/>
+                    <a:p>
+                      <a:r>
+                        <a:rPr lang="en-US" dirty="0"/>
+                        <a:t>Imperative</a:t>
+                      </a:r>
+                    </a:p>
+                  </a:txBody>
+                  <a:tcPr/>
+                </a:tc>
+                <a:extLst>
+                  <a:ext uri="{0D108BD9-81ED-4DB2-BD59-A6C34878D82A}">
+                    <a16:rowId xmlns:a16="http://schemas.microsoft.com/office/drawing/2014/main" val="2552607526"/>
+                  </a:ext>
+                </a:extLst>
+              </a:tr>
+            </a:tbl>
+          </a:graphicData>
+        </a:graphic>
+      </p:graphicFrame>
+    </p:spTree>
+    <p:extLst>
+      <p:ext uri="{BB962C8B-B14F-4D97-AF65-F5344CB8AC3E}">
+        <p14:creationId xmlns:p14="http://schemas.microsoft.com/office/powerpoint/2010/main" val="443247383"/>
       </p:ext>
     </p:extLst>
   </p:cSld>
@@ -8557,7 +8825,7 @@
 </file>
 
 <file path=customXml/itemProps1.xml><?xml version="1.0" encoding="utf-8"?>
-<ds:datastoreItem xmlns:ds="http://schemas.openxmlformats.org/officeDocument/2006/customXml" ds:itemID="{637496F2-4DAD-4623-81E7-6696935F5E58}">
+<ds:datastoreItem xmlns:ds="http://schemas.openxmlformats.org/officeDocument/2006/customXml" ds:itemID="{97278B10-4E8B-44A5-A49F-1B7D651595D3}">
   <ds:schemaRefs>
     <ds:schemaRef ds:uri="http://schemas.microsoft.com/VisualStudio/2011/storyboarding/control"/>
   </ds:schemaRefs>
@@ -8573,7 +8841,7 @@
 </file>
 
 <file path=customXml/itemProps3.xml><?xml version="1.0" encoding="utf-8"?>
-<ds:datastoreItem xmlns:ds="http://schemas.openxmlformats.org/officeDocument/2006/customXml" ds:itemID="{97278B10-4E8B-44A5-A49F-1B7D651595D3}">
+<ds:datastoreItem xmlns:ds="http://schemas.openxmlformats.org/officeDocument/2006/customXml" ds:itemID="{637496F2-4DAD-4623-81E7-6696935F5E58}">
   <ds:schemaRefs>
     <ds:schemaRef ds:uri="http://schemas.microsoft.com/VisualStudio/2011/storyboarding/control"/>
   </ds:schemaRefs>
